--- a/VQ/Quantização Vetorial para a.pptx
+++ b/VQ/Quantização Vetorial para a.pptx
@@ -6,19 +6,20 @@
   </p:sldMasterIdLst>
   <p:sldIdLst>
     <p:sldId id="265" r:id="rId2"/>
-    <p:sldId id="266" r:id="rId3"/>
-    <p:sldId id="267" r:id="rId4"/>
-    <p:sldId id="274" r:id="rId5"/>
-    <p:sldId id="275" r:id="rId6"/>
-    <p:sldId id="276" r:id="rId7"/>
-    <p:sldId id="277" r:id="rId8"/>
-    <p:sldId id="283" r:id="rId9"/>
-    <p:sldId id="278" r:id="rId10"/>
-    <p:sldId id="269" r:id="rId11"/>
-    <p:sldId id="279" r:id="rId12"/>
-    <p:sldId id="280" r:id="rId13"/>
-    <p:sldId id="281" r:id="rId14"/>
-    <p:sldId id="282" r:id="rId15"/>
+    <p:sldId id="284" r:id="rId3"/>
+    <p:sldId id="266" r:id="rId4"/>
+    <p:sldId id="267" r:id="rId5"/>
+    <p:sldId id="274" r:id="rId6"/>
+    <p:sldId id="275" r:id="rId7"/>
+    <p:sldId id="276" r:id="rId8"/>
+    <p:sldId id="277" r:id="rId9"/>
+    <p:sldId id="283" r:id="rId10"/>
+    <p:sldId id="278" r:id="rId11"/>
+    <p:sldId id="269" r:id="rId12"/>
+    <p:sldId id="279" r:id="rId13"/>
+    <p:sldId id="280" r:id="rId14"/>
+    <p:sldId id="281" r:id="rId15"/>
+    <p:sldId id="282" r:id="rId16"/>
   </p:sldIdLst>
   <p:sldSz cx="12192000" cy="6858000"/>
   <p:notesSz cx="6858000" cy="9144000"/>
@@ -371,7 +372,7 @@
             <a:fld id="{B61BEF0D-F0BB-DE4B-95CE-6DB70DBA9567}" type="datetimeFigureOut">
               <a:rPr lang="en-US" dirty="0"/>
               <a:pPr/>
-              <a:t>6/15/2022</a:t>
+              <a:t>6/16/2022</a:t>
             </a:fld>
             <a:endParaRPr lang="en-US" dirty="0"/>
           </a:p>
@@ -630,7 +631,7 @@
             <a:fld id="{B61BEF0D-F0BB-DE4B-95CE-6DB70DBA9567}" type="datetimeFigureOut">
               <a:rPr lang="en-US" dirty="0"/>
               <a:pPr/>
-              <a:t>6/15/2022</a:t>
+              <a:t>6/16/2022</a:t>
             </a:fld>
             <a:endParaRPr lang="en-US" dirty="0"/>
           </a:p>
@@ -862,7 +863,7 @@
             <a:fld id="{B61BEF0D-F0BB-DE4B-95CE-6DB70DBA9567}" type="datetimeFigureOut">
               <a:rPr lang="en-US" dirty="0"/>
               <a:pPr/>
-              <a:t>6/15/2022</a:t>
+              <a:t>6/16/2022</a:t>
             </a:fld>
             <a:endParaRPr lang="en-US" dirty="0"/>
           </a:p>
@@ -1099,7 +1100,7 @@
             <a:fld id="{B61BEF0D-F0BB-DE4B-95CE-6DB70DBA9567}" type="datetimeFigureOut">
               <a:rPr lang="en-US" dirty="0"/>
               <a:pPr/>
-              <a:t>6/15/2022</a:t>
+              <a:t>6/16/2022</a:t>
             </a:fld>
             <a:endParaRPr lang="en-US" dirty="0"/>
           </a:p>
@@ -1403,7 +1404,7 @@
             <a:fld id="{B61BEF0D-F0BB-DE4B-95CE-6DB70DBA9567}" type="datetimeFigureOut">
               <a:rPr lang="en-US" dirty="0"/>
               <a:pPr/>
-              <a:t>6/15/2022</a:t>
+              <a:t>6/16/2022</a:t>
             </a:fld>
             <a:endParaRPr lang="en-US" dirty="0"/>
           </a:p>
@@ -1702,7 +1703,7 @@
             <a:fld id="{B61BEF0D-F0BB-DE4B-95CE-6DB70DBA9567}" type="datetimeFigureOut">
               <a:rPr lang="en-US" dirty="0"/>
               <a:pPr/>
-              <a:t>6/15/2022</a:t>
+              <a:t>6/16/2022</a:t>
             </a:fld>
             <a:endParaRPr lang="en-US" dirty="0"/>
           </a:p>
@@ -2121,7 +2122,7 @@
             <a:fld id="{B61BEF0D-F0BB-DE4B-95CE-6DB70DBA9567}" type="datetimeFigureOut">
               <a:rPr lang="en-US" dirty="0"/>
               <a:pPr/>
-              <a:t>6/15/2022</a:t>
+              <a:t>6/16/2022</a:t>
             </a:fld>
             <a:endParaRPr lang="en-US" dirty="0"/>
           </a:p>
@@ -2213,7 +2214,7 @@
             <a:fld id="{B61BEF0D-F0BB-DE4B-95CE-6DB70DBA9567}" type="datetimeFigureOut">
               <a:rPr lang="en-US" dirty="0"/>
               <a:pPr/>
-              <a:t>6/15/2022</a:t>
+              <a:t>6/16/2022</a:t>
             </a:fld>
             <a:endParaRPr lang="en-US" dirty="0"/>
           </a:p>
@@ -2372,7 +2373,7 @@
             <a:fld id="{B61BEF0D-F0BB-DE4B-95CE-6DB70DBA9567}" type="datetimeFigureOut">
               <a:rPr lang="en-US" dirty="0"/>
               <a:pPr/>
-              <a:t>6/15/2022</a:t>
+              <a:t>6/16/2022</a:t>
             </a:fld>
             <a:endParaRPr lang="en-US" dirty="0"/>
           </a:p>
@@ -2747,7 +2748,7 @@
             <a:fld id="{B61BEF0D-F0BB-DE4B-95CE-6DB70DBA9567}" type="datetimeFigureOut">
               <a:rPr lang="en-US" dirty="0"/>
               <a:pPr/>
-              <a:t>6/15/2022</a:t>
+              <a:t>6/16/2022</a:t>
             </a:fld>
             <a:endParaRPr lang="en-US" dirty="0"/>
           </a:p>
@@ -3033,7 +3034,7 @@
             <a:fld id="{B61BEF0D-F0BB-DE4B-95CE-6DB70DBA9567}" type="datetimeFigureOut">
               <a:rPr lang="en-US" dirty="0"/>
               <a:pPr/>
-              <a:t>6/15/2022</a:t>
+              <a:t>6/16/2022</a:t>
             </a:fld>
             <a:endParaRPr lang="en-US" dirty="0"/>
           </a:p>
@@ -3241,7 +3242,7 @@
             <a:fld id="{B61BEF0D-F0BB-DE4B-95CE-6DB70DBA9567}" type="datetimeFigureOut">
               <a:rPr lang="en-US" dirty="0"/>
               <a:pPr/>
-              <a:t>6/15/2022</a:t>
+              <a:t>6/16/2022</a:t>
             </a:fld>
             <a:endParaRPr lang="en-US" dirty="0"/>
           </a:p>
@@ -4357,53 +4358,42 @@
           <a:p>
             <a:r>
               <a:rPr lang="pt-BR" sz="3200" cap="none" dirty="0"/>
-              <a:t>Testes, reconstrução:</a:t>
-            </a:r>
-          </a:p>
-        </p:txBody>
-      </p:sp>
-      <p:sp>
-        <p:nvSpPr>
-          <p:cNvPr id="7" name="TextBox 6">
-            <a:extLst>
-              <a:ext uri="{FF2B5EF4-FFF2-40B4-BE49-F238E27FC236}">
-                <a16:creationId xmlns:a16="http://schemas.microsoft.com/office/drawing/2014/main" id="{7C9DF9EB-0BDF-86E3-82E2-1602A93D6911}"/>
-              </a:ext>
-            </a:extLst>
-          </p:cNvPr>
-          <p:cNvSpPr txBox="1"/>
-          <p:nvPr/>
-        </p:nvSpPr>
-        <p:spPr>
-          <a:xfrm>
-            <a:off x="107862" y="2726660"/>
-            <a:ext cx="3563796" cy="369332"/>
-          </a:xfrm>
-          <a:prstGeom prst="rect">
-            <a:avLst/>
-          </a:prstGeom>
-          <a:noFill/>
-        </p:spPr>
-        <p:txBody>
-          <a:bodyPr wrap="none" rtlCol="0">
-            <a:spAutoFit/>
-          </a:bodyPr>
-          <a:lstStyle/>
-          <a:p>
-            <a:pPr algn="ctr"/>
-            <a:r>
-              <a:rPr lang="pt-BR" dirty="0"/>
-              <a:t>Lambda: 200, PSNR:  22.3 dB, R: 0.58</a:t>
-            </a:r>
+              <a:t>Resultados, conjunto de testes</a:t>
+            </a:r>
+          </a:p>
+        </p:txBody>
+      </p:sp>
+      <p:sp>
+        <p:nvSpPr>
+          <p:cNvPr id="5" name="Content Placeholder 4">
+            <a:extLst>
+              <a:ext uri="{FF2B5EF4-FFF2-40B4-BE49-F238E27FC236}">
+                <a16:creationId xmlns:a16="http://schemas.microsoft.com/office/drawing/2014/main" id="{539F4EBC-24A3-AA1E-3ADD-E82AD35EFEB2}"/>
+              </a:ext>
+            </a:extLst>
+          </p:cNvPr>
+          <p:cNvSpPr>
+            <a:spLocks noGrp="1"/>
+          </p:cNvSpPr>
+          <p:nvPr>
+            <p:ph idx="1"/>
+          </p:nvPr>
+        </p:nvSpPr>
+        <p:spPr/>
+        <p:txBody>
+          <a:bodyPr/>
+          <a:lstStyle/>
+          <a:p>
+            <a:endParaRPr lang="pt-BR"/>
           </a:p>
         </p:txBody>
       </p:sp>
       <p:pic>
         <p:nvPicPr>
-          <p:cNvPr id="4" name="Picture 3">
-            <a:extLst>
-              <a:ext uri="{FF2B5EF4-FFF2-40B4-BE49-F238E27FC236}">
-                <a16:creationId xmlns:a16="http://schemas.microsoft.com/office/drawing/2014/main" id="{BBD9AEEC-FF05-A1FB-E366-9AB3C09645CC}"/>
+          <p:cNvPr id="7" name="Picture 6">
+            <a:extLst>
+              <a:ext uri="{FF2B5EF4-FFF2-40B4-BE49-F238E27FC236}">
+                <a16:creationId xmlns:a16="http://schemas.microsoft.com/office/drawing/2014/main" id="{5609C713-3746-704C-9023-41EBF00CD921}"/>
               </a:ext>
             </a:extLst>
           </p:cNvPr>
@@ -4420,140 +4410,8 @@
         </p:blipFill>
         <p:spPr>
           <a:xfrm>
-            <a:off x="0" y="3095992"/>
-            <a:ext cx="3779520" cy="3023616"/>
-          </a:xfrm>
-          <a:prstGeom prst="rect">
-            <a:avLst/>
-          </a:prstGeom>
-        </p:spPr>
-      </p:pic>
-      <p:pic>
-        <p:nvPicPr>
-          <p:cNvPr id="10" name="Picture 9">
-            <a:extLst>
-              <a:ext uri="{FF2B5EF4-FFF2-40B4-BE49-F238E27FC236}">
-                <a16:creationId xmlns:a16="http://schemas.microsoft.com/office/drawing/2014/main" id="{8BF106A1-97FA-BE83-092F-4AC6B2272D66}"/>
-              </a:ext>
-            </a:extLst>
-          </p:cNvPr>
-          <p:cNvPicPr>
-            <a:picLocks noChangeAspect="1"/>
-          </p:cNvPicPr>
-          <p:nvPr/>
-        </p:nvPicPr>
-        <p:blipFill>
-          <a:blip r:embed="rId3"/>
-          <a:stretch>
-            <a:fillRect/>
-          </a:stretch>
-        </p:blipFill>
-        <p:spPr>
-          <a:xfrm>
-            <a:off x="4206240" y="3095992"/>
-            <a:ext cx="3779520" cy="3023616"/>
-          </a:xfrm>
-          <a:prstGeom prst="rect">
-            <a:avLst/>
-          </a:prstGeom>
-        </p:spPr>
-      </p:pic>
-      <p:sp>
-        <p:nvSpPr>
-          <p:cNvPr id="19" name="TextBox 18">
-            <a:extLst>
-              <a:ext uri="{FF2B5EF4-FFF2-40B4-BE49-F238E27FC236}">
-                <a16:creationId xmlns:a16="http://schemas.microsoft.com/office/drawing/2014/main" id="{51AFD8FF-4681-35A6-8862-96742B346B13}"/>
-              </a:ext>
-            </a:extLst>
-          </p:cNvPr>
-          <p:cNvSpPr txBox="1"/>
-          <p:nvPr/>
-        </p:nvSpPr>
-        <p:spPr>
-          <a:xfrm>
-            <a:off x="4371810" y="2726660"/>
-            <a:ext cx="3448381" cy="369332"/>
-          </a:xfrm>
-          <a:prstGeom prst="rect">
-            <a:avLst/>
-          </a:prstGeom>
-          <a:noFill/>
-        </p:spPr>
-        <p:txBody>
-          <a:bodyPr wrap="none" rtlCol="0">
-            <a:spAutoFit/>
-          </a:bodyPr>
-          <a:lstStyle/>
-          <a:p>
-            <a:pPr algn="ctr"/>
-            <a:r>
-              <a:rPr lang="pt-BR" dirty="0"/>
-              <a:t>Lambda: 25, PSNR:  29.5 dB, R: 1.51</a:t>
-            </a:r>
-          </a:p>
-        </p:txBody>
-      </p:sp>
-      <p:sp>
-        <p:nvSpPr>
-          <p:cNvPr id="21" name="TextBox 20">
-            <a:extLst>
-              <a:ext uri="{FF2B5EF4-FFF2-40B4-BE49-F238E27FC236}">
-                <a16:creationId xmlns:a16="http://schemas.microsoft.com/office/drawing/2014/main" id="{992FC732-3883-06E9-D946-D71CE726E5C7}"/>
-              </a:ext>
-            </a:extLst>
-          </p:cNvPr>
-          <p:cNvSpPr txBox="1"/>
-          <p:nvPr/>
-        </p:nvSpPr>
-        <p:spPr>
-          <a:xfrm>
-            <a:off x="8693467" y="2726660"/>
-            <a:ext cx="3217547" cy="369332"/>
-          </a:xfrm>
-          <a:prstGeom prst="rect">
-            <a:avLst/>
-          </a:prstGeom>
-          <a:noFill/>
-        </p:spPr>
-        <p:txBody>
-          <a:bodyPr wrap="none" rtlCol="0">
-            <a:spAutoFit/>
-          </a:bodyPr>
-          <a:lstStyle/>
-          <a:p>
-            <a:pPr algn="ctr"/>
-            <a:r>
-              <a:rPr lang="pt-BR" dirty="0"/>
-              <a:t>Lambda: 5, PSNR:  35.2 dB, R: 3.1</a:t>
-            </a:r>
-          </a:p>
-        </p:txBody>
-      </p:sp>
-      <p:pic>
-        <p:nvPicPr>
-          <p:cNvPr id="22" name="Picture 21">
-            <a:extLst>
-              <a:ext uri="{FF2B5EF4-FFF2-40B4-BE49-F238E27FC236}">
-                <a16:creationId xmlns:a16="http://schemas.microsoft.com/office/drawing/2014/main" id="{C638F95E-A01D-4A91-03F3-BEA9A799CCEC}"/>
-              </a:ext>
-            </a:extLst>
-          </p:cNvPr>
-          <p:cNvPicPr>
-            <a:picLocks noChangeAspect="1"/>
-          </p:cNvPicPr>
-          <p:nvPr/>
-        </p:nvPicPr>
-        <p:blipFill>
-          <a:blip r:embed="rId4"/>
-          <a:stretch>
-            <a:fillRect/>
-          </a:stretch>
-        </p:blipFill>
-        <p:spPr>
-          <a:xfrm>
-            <a:off x="8304618" y="3095992"/>
-            <a:ext cx="3779520" cy="3023616"/>
+            <a:off x="203200" y="1905000"/>
+            <a:ext cx="11772900" cy="4771571"/>
           </a:xfrm>
           <a:prstGeom prst="rect">
             <a:avLst/>
@@ -4563,7 +4421,7 @@
     </p:spTree>
     <p:extLst>
       <p:ext uri="{BB962C8B-B14F-4D97-AF65-F5344CB8AC3E}">
-        <p14:creationId xmlns:p14="http://schemas.microsoft.com/office/powerpoint/2010/main" val="3572600429"/>
+        <p14:creationId xmlns:p14="http://schemas.microsoft.com/office/powerpoint/2010/main" val="712784737"/>
       </p:ext>
     </p:extLst>
   </p:cSld>
@@ -4634,8 +4492,8 @@
         </p:nvSpPr>
         <p:spPr>
           <a:xfrm>
-            <a:off x="280986" y="2726660"/>
-            <a:ext cx="3563797" cy="369332"/>
+            <a:off x="107862" y="2726660"/>
+            <a:ext cx="3563796" cy="369332"/>
           </a:xfrm>
           <a:prstGeom prst="rect">
             <a:avLst/>
@@ -4651,89 +4509,17 @@
             <a:pPr algn="ctr"/>
             <a:r>
               <a:rPr lang="pt-BR" dirty="0"/>
-              <a:t>Lambda: 200, PSNR:  22.8 dB, R: 0.71</a:t>
-            </a:r>
-          </a:p>
-        </p:txBody>
-      </p:sp>
-      <p:sp>
-        <p:nvSpPr>
-          <p:cNvPr id="19" name="TextBox 18">
-            <a:extLst>
-              <a:ext uri="{FF2B5EF4-FFF2-40B4-BE49-F238E27FC236}">
-                <a16:creationId xmlns:a16="http://schemas.microsoft.com/office/drawing/2014/main" id="{51AFD8FF-4681-35A6-8862-96742B346B13}"/>
-              </a:ext>
-            </a:extLst>
-          </p:cNvPr>
-          <p:cNvSpPr txBox="1"/>
-          <p:nvPr/>
-        </p:nvSpPr>
-        <p:spPr>
-          <a:xfrm>
-            <a:off x="4371811" y="2726660"/>
-            <a:ext cx="3448380" cy="369332"/>
-          </a:xfrm>
-          <a:prstGeom prst="rect">
-            <a:avLst/>
-          </a:prstGeom>
-          <a:noFill/>
-        </p:spPr>
-        <p:txBody>
-          <a:bodyPr wrap="none" rtlCol="0">
-            <a:spAutoFit/>
-          </a:bodyPr>
-          <a:lstStyle/>
-          <a:p>
-            <a:pPr algn="ctr"/>
-            <a:r>
-              <a:rPr lang="pt-BR" dirty="0"/>
-              <a:t>Lambda: 25, PSNR:  28.8 dB, R: 2.21</a:t>
-            </a:r>
-          </a:p>
-        </p:txBody>
-      </p:sp>
-      <p:sp>
-        <p:nvSpPr>
-          <p:cNvPr id="21" name="TextBox 20">
-            <a:extLst>
-              <a:ext uri="{FF2B5EF4-FFF2-40B4-BE49-F238E27FC236}">
-                <a16:creationId xmlns:a16="http://schemas.microsoft.com/office/drawing/2014/main" id="{992FC732-3883-06E9-D946-D71CE726E5C7}"/>
-              </a:ext>
-            </a:extLst>
-          </p:cNvPr>
-          <p:cNvSpPr txBox="1"/>
-          <p:nvPr/>
-        </p:nvSpPr>
-        <p:spPr>
-          <a:xfrm>
-            <a:off x="8578051" y="2726660"/>
-            <a:ext cx="3448380" cy="369332"/>
-          </a:xfrm>
-          <a:prstGeom prst="rect">
-            <a:avLst/>
-          </a:prstGeom>
-          <a:noFill/>
-        </p:spPr>
-        <p:txBody>
-          <a:bodyPr wrap="none" rtlCol="0">
-            <a:spAutoFit/>
-          </a:bodyPr>
-          <a:lstStyle/>
-          <a:p>
-            <a:pPr algn="ctr"/>
-            <a:r>
-              <a:rPr lang="pt-BR" dirty="0"/>
-              <a:t>Lambda: 10, PSNR:  38.7 dB, R: 3.01</a:t>
+              <a:t>Lambda: 200, PSNR:  22.3 dB, R: 0.58</a:t>
             </a:r>
           </a:p>
         </p:txBody>
       </p:sp>
       <p:pic>
         <p:nvPicPr>
-          <p:cNvPr id="5" name="Picture 4">
-            <a:extLst>
-              <a:ext uri="{FF2B5EF4-FFF2-40B4-BE49-F238E27FC236}">
-                <a16:creationId xmlns:a16="http://schemas.microsoft.com/office/drawing/2014/main" id="{B5F1ADF4-53FA-CA46-6126-26055A36C109}"/>
+          <p:cNvPr id="4" name="Picture 3">
+            <a:extLst>
+              <a:ext uri="{FF2B5EF4-FFF2-40B4-BE49-F238E27FC236}">
+                <a16:creationId xmlns:a16="http://schemas.microsoft.com/office/drawing/2014/main" id="{BBD9AEEC-FF05-A1FB-E366-9AB3C09645CC}"/>
               </a:ext>
             </a:extLst>
           </p:cNvPr>
@@ -4750,8 +4536,8 @@
         </p:blipFill>
         <p:spPr>
           <a:xfrm>
-            <a:off x="560546" y="3095991"/>
-            <a:ext cx="3020853" cy="3020853"/>
+            <a:off x="0" y="3095992"/>
+            <a:ext cx="3779520" cy="3023616"/>
           </a:xfrm>
           <a:prstGeom prst="rect">
             <a:avLst/>
@@ -4760,10 +4546,10 @@
       </p:pic>
       <p:pic>
         <p:nvPicPr>
-          <p:cNvPr id="8" name="Picture 7">
-            <a:extLst>
-              <a:ext uri="{FF2B5EF4-FFF2-40B4-BE49-F238E27FC236}">
-                <a16:creationId xmlns:a16="http://schemas.microsoft.com/office/drawing/2014/main" id="{18810FEF-26D8-F3D3-1F86-988D6D303508}"/>
+          <p:cNvPr id="10" name="Picture 9">
+            <a:extLst>
+              <a:ext uri="{FF2B5EF4-FFF2-40B4-BE49-F238E27FC236}">
+                <a16:creationId xmlns:a16="http://schemas.microsoft.com/office/drawing/2014/main" id="{8BF106A1-97FA-BE83-092F-4AC6B2272D66}"/>
               </a:ext>
             </a:extLst>
           </p:cNvPr>
@@ -4780,20 +4566,92 @@
         </p:blipFill>
         <p:spPr>
           <a:xfrm>
-            <a:off x="4564607" y="3095990"/>
-            <a:ext cx="3020853" cy="3020853"/>
+            <a:off x="4206240" y="3095992"/>
+            <a:ext cx="3779520" cy="3023616"/>
           </a:xfrm>
           <a:prstGeom prst="rect">
             <a:avLst/>
           </a:prstGeom>
         </p:spPr>
       </p:pic>
+      <p:sp>
+        <p:nvSpPr>
+          <p:cNvPr id="19" name="TextBox 18">
+            <a:extLst>
+              <a:ext uri="{FF2B5EF4-FFF2-40B4-BE49-F238E27FC236}">
+                <a16:creationId xmlns:a16="http://schemas.microsoft.com/office/drawing/2014/main" id="{51AFD8FF-4681-35A6-8862-96742B346B13}"/>
+              </a:ext>
+            </a:extLst>
+          </p:cNvPr>
+          <p:cNvSpPr txBox="1"/>
+          <p:nvPr/>
+        </p:nvSpPr>
+        <p:spPr>
+          <a:xfrm>
+            <a:off x="4371810" y="2726660"/>
+            <a:ext cx="3448381" cy="369332"/>
+          </a:xfrm>
+          <a:prstGeom prst="rect">
+            <a:avLst/>
+          </a:prstGeom>
+          <a:noFill/>
+        </p:spPr>
+        <p:txBody>
+          <a:bodyPr wrap="none" rtlCol="0">
+            <a:spAutoFit/>
+          </a:bodyPr>
+          <a:lstStyle/>
+          <a:p>
+            <a:pPr algn="ctr"/>
+            <a:r>
+              <a:rPr lang="pt-BR" dirty="0"/>
+              <a:t>Lambda: 25, PSNR:  29.5 dB, R: 1.51</a:t>
+            </a:r>
+          </a:p>
+        </p:txBody>
+      </p:sp>
+      <p:sp>
+        <p:nvSpPr>
+          <p:cNvPr id="21" name="TextBox 20">
+            <a:extLst>
+              <a:ext uri="{FF2B5EF4-FFF2-40B4-BE49-F238E27FC236}">
+                <a16:creationId xmlns:a16="http://schemas.microsoft.com/office/drawing/2014/main" id="{992FC732-3883-06E9-D946-D71CE726E5C7}"/>
+              </a:ext>
+            </a:extLst>
+          </p:cNvPr>
+          <p:cNvSpPr txBox="1"/>
+          <p:nvPr/>
+        </p:nvSpPr>
+        <p:spPr>
+          <a:xfrm>
+            <a:off x="8693467" y="2726660"/>
+            <a:ext cx="3217547" cy="369332"/>
+          </a:xfrm>
+          <a:prstGeom prst="rect">
+            <a:avLst/>
+          </a:prstGeom>
+          <a:noFill/>
+        </p:spPr>
+        <p:txBody>
+          <a:bodyPr wrap="none" rtlCol="0">
+            <a:spAutoFit/>
+          </a:bodyPr>
+          <a:lstStyle/>
+          <a:p>
+            <a:pPr algn="ctr"/>
+            <a:r>
+              <a:rPr lang="pt-BR" dirty="0"/>
+              <a:t>Lambda: 5, PSNR:  35.2 dB, R: 3.1</a:t>
+            </a:r>
+          </a:p>
+        </p:txBody>
+      </p:sp>
       <p:pic>
         <p:nvPicPr>
-          <p:cNvPr id="11" name="Picture 10">
-            <a:extLst>
-              <a:ext uri="{FF2B5EF4-FFF2-40B4-BE49-F238E27FC236}">
-                <a16:creationId xmlns:a16="http://schemas.microsoft.com/office/drawing/2014/main" id="{183DF4D6-F956-6558-C74B-78C63C620A2E}"/>
+          <p:cNvPr id="22" name="Picture 21">
+            <a:extLst>
+              <a:ext uri="{FF2B5EF4-FFF2-40B4-BE49-F238E27FC236}">
+                <a16:creationId xmlns:a16="http://schemas.microsoft.com/office/drawing/2014/main" id="{C638F95E-A01D-4A91-03F3-BEA9A799CCEC}"/>
               </a:ext>
             </a:extLst>
           </p:cNvPr>
@@ -4810,8 +4668,8 @@
         </p:blipFill>
         <p:spPr>
           <a:xfrm>
-            <a:off x="8716700" y="3095990"/>
-            <a:ext cx="3020852" cy="3020852"/>
+            <a:off x="8304618" y="3095992"/>
+            <a:ext cx="3779520" cy="3023616"/>
           </a:xfrm>
           <a:prstGeom prst="rect">
             <a:avLst/>
@@ -4821,7 +4679,7 @@
     </p:spTree>
     <p:extLst>
       <p:ext uri="{BB962C8B-B14F-4D97-AF65-F5344CB8AC3E}">
-        <p14:creationId xmlns:p14="http://schemas.microsoft.com/office/powerpoint/2010/main" val="3923641268"/>
+        <p14:creationId xmlns:p14="http://schemas.microsoft.com/office/powerpoint/2010/main" val="3572600429"/>
       </p:ext>
     </p:extLst>
   </p:cSld>
@@ -4892,8 +4750,8 @@
         </p:nvSpPr>
         <p:spPr>
           <a:xfrm>
-            <a:off x="248926" y="2726660"/>
-            <a:ext cx="3627917" cy="369332"/>
+            <a:off x="280986" y="2726660"/>
+            <a:ext cx="3563797" cy="369332"/>
           </a:xfrm>
           <a:prstGeom prst="rect">
             <a:avLst/>
@@ -4909,7 +4767,7 @@
             <a:pPr algn="ctr"/>
             <a:r>
               <a:rPr lang="pt-BR" dirty="0"/>
-              <a:t>Lambda: 200, PSNR:  25.2 dB, R:  0.56</a:t>
+              <a:t>Lambda: 200, PSNR:  22.8 dB, R: 0.71</a:t>
             </a:r>
           </a:p>
         </p:txBody>
@@ -4928,7 +4786,7 @@
         </p:nvSpPr>
         <p:spPr>
           <a:xfrm>
-            <a:off x="4371813" y="2726660"/>
+            <a:off x="4371811" y="2726660"/>
             <a:ext cx="3448380" cy="369332"/>
           </a:xfrm>
           <a:prstGeom prst="rect">
@@ -4945,7 +4803,7 @@
             <a:pPr algn="ctr"/>
             <a:r>
               <a:rPr lang="pt-BR" dirty="0"/>
-              <a:t>Lambda: 25, PSNR:  29.0 dB, R: 0.91</a:t>
+              <a:t>Lambda: 25, PSNR:  28.8 dB, R: 2.21</a:t>
             </a:r>
           </a:p>
         </p:txBody>
@@ -4964,8 +4822,8 @@
         </p:nvSpPr>
         <p:spPr>
           <a:xfrm>
-            <a:off x="8552403" y="2726660"/>
-            <a:ext cx="3499676" cy="369332"/>
+            <a:off x="8578051" y="2726660"/>
+            <a:ext cx="3448380" cy="369332"/>
           </a:xfrm>
           <a:prstGeom prst="rect">
             <a:avLst/>
@@ -4981,17 +4839,17 @@
             <a:pPr algn="ctr"/>
             <a:r>
               <a:rPr lang="pt-BR" dirty="0"/>
-              <a:t>Lambda: 2.5, PSNR:  44.7 dB, R: 3.03</a:t>
+              <a:t>Lambda: 10, PSNR:  38.7 dB, R: 3.01</a:t>
             </a:r>
           </a:p>
         </p:txBody>
       </p:sp>
       <p:pic>
         <p:nvPicPr>
-          <p:cNvPr id="4" name="Picture 3">
-            <a:extLst>
-              <a:ext uri="{FF2B5EF4-FFF2-40B4-BE49-F238E27FC236}">
-                <a16:creationId xmlns:a16="http://schemas.microsoft.com/office/drawing/2014/main" id="{E4EEF9ED-66AF-3F9A-2343-550879D5C81D}"/>
+          <p:cNvPr id="5" name="Picture 4">
+            <a:extLst>
+              <a:ext uri="{FF2B5EF4-FFF2-40B4-BE49-F238E27FC236}">
+                <a16:creationId xmlns:a16="http://schemas.microsoft.com/office/drawing/2014/main" id="{B5F1ADF4-53FA-CA46-6126-26055A36C109}"/>
               </a:ext>
             </a:extLst>
           </p:cNvPr>
@@ -5008,8 +4866,8 @@
         </p:blipFill>
         <p:spPr>
           <a:xfrm>
-            <a:off x="254803" y="3095990"/>
-            <a:ext cx="3828129" cy="3062503"/>
+            <a:off x="560546" y="3095991"/>
+            <a:ext cx="3020853" cy="3020853"/>
           </a:xfrm>
           <a:prstGeom prst="rect">
             <a:avLst/>
@@ -5018,10 +4876,10 @@
       </p:pic>
       <p:pic>
         <p:nvPicPr>
-          <p:cNvPr id="9" name="Picture 8">
-            <a:extLst>
-              <a:ext uri="{FF2B5EF4-FFF2-40B4-BE49-F238E27FC236}">
-                <a16:creationId xmlns:a16="http://schemas.microsoft.com/office/drawing/2014/main" id="{F8EA7BE4-D8F6-BFE9-5572-A36A74782D7E}"/>
+          <p:cNvPr id="8" name="Picture 7">
+            <a:extLst>
+              <a:ext uri="{FF2B5EF4-FFF2-40B4-BE49-F238E27FC236}">
+                <a16:creationId xmlns:a16="http://schemas.microsoft.com/office/drawing/2014/main" id="{18810FEF-26D8-F3D3-1F86-988D6D303508}"/>
               </a:ext>
             </a:extLst>
           </p:cNvPr>
@@ -5038,8 +4896,8 @@
         </p:blipFill>
         <p:spPr>
           <a:xfrm>
-            <a:off x="4279662" y="3093341"/>
-            <a:ext cx="3828129" cy="3062503"/>
+            <a:off x="4564607" y="3095990"/>
+            <a:ext cx="3020853" cy="3020853"/>
           </a:xfrm>
           <a:prstGeom prst="rect">
             <a:avLst/>
@@ -5048,10 +4906,10 @@
       </p:pic>
       <p:pic>
         <p:nvPicPr>
-          <p:cNvPr id="12" name="Picture 11">
-            <a:extLst>
-              <a:ext uri="{FF2B5EF4-FFF2-40B4-BE49-F238E27FC236}">
-                <a16:creationId xmlns:a16="http://schemas.microsoft.com/office/drawing/2014/main" id="{7AFE2E59-A692-230B-9764-61653CD6D631}"/>
+          <p:cNvPr id="11" name="Picture 10">
+            <a:extLst>
+              <a:ext uri="{FF2B5EF4-FFF2-40B4-BE49-F238E27FC236}">
+                <a16:creationId xmlns:a16="http://schemas.microsoft.com/office/drawing/2014/main" id="{183DF4D6-F956-6558-C74B-78C63C620A2E}"/>
               </a:ext>
             </a:extLst>
           </p:cNvPr>
@@ -5068,8 +4926,8 @@
         </p:blipFill>
         <p:spPr>
           <a:xfrm>
-            <a:off x="8246809" y="3083449"/>
-            <a:ext cx="3828130" cy="3062504"/>
+            <a:off x="8716700" y="3095990"/>
+            <a:ext cx="3020852" cy="3020852"/>
           </a:xfrm>
           <a:prstGeom prst="rect">
             <a:avLst/>
@@ -5079,7 +4937,7 @@
     </p:spTree>
     <p:extLst>
       <p:ext uri="{BB962C8B-B14F-4D97-AF65-F5344CB8AC3E}">
-        <p14:creationId xmlns:p14="http://schemas.microsoft.com/office/powerpoint/2010/main" val="2230537632"/>
+        <p14:creationId xmlns:p14="http://schemas.microsoft.com/office/powerpoint/2010/main" val="3923641268"/>
       </p:ext>
     </p:extLst>
   </p:cSld>
@@ -5167,6 +5025,264 @@
             <a:pPr algn="ctr"/>
             <a:r>
               <a:rPr lang="pt-BR" dirty="0"/>
+              <a:t>Lambda: 200, PSNR:  25.2 dB, R:  0.56</a:t>
+            </a:r>
+          </a:p>
+        </p:txBody>
+      </p:sp>
+      <p:sp>
+        <p:nvSpPr>
+          <p:cNvPr id="19" name="TextBox 18">
+            <a:extLst>
+              <a:ext uri="{FF2B5EF4-FFF2-40B4-BE49-F238E27FC236}">
+                <a16:creationId xmlns:a16="http://schemas.microsoft.com/office/drawing/2014/main" id="{51AFD8FF-4681-35A6-8862-96742B346B13}"/>
+              </a:ext>
+            </a:extLst>
+          </p:cNvPr>
+          <p:cNvSpPr txBox="1"/>
+          <p:nvPr/>
+        </p:nvSpPr>
+        <p:spPr>
+          <a:xfrm>
+            <a:off x="4371813" y="2726660"/>
+            <a:ext cx="3448380" cy="369332"/>
+          </a:xfrm>
+          <a:prstGeom prst="rect">
+            <a:avLst/>
+          </a:prstGeom>
+          <a:noFill/>
+        </p:spPr>
+        <p:txBody>
+          <a:bodyPr wrap="none" rtlCol="0">
+            <a:spAutoFit/>
+          </a:bodyPr>
+          <a:lstStyle/>
+          <a:p>
+            <a:pPr algn="ctr"/>
+            <a:r>
+              <a:rPr lang="pt-BR" dirty="0"/>
+              <a:t>Lambda: 25, PSNR:  29.0 dB, R: 0.91</a:t>
+            </a:r>
+          </a:p>
+        </p:txBody>
+      </p:sp>
+      <p:sp>
+        <p:nvSpPr>
+          <p:cNvPr id="21" name="TextBox 20">
+            <a:extLst>
+              <a:ext uri="{FF2B5EF4-FFF2-40B4-BE49-F238E27FC236}">
+                <a16:creationId xmlns:a16="http://schemas.microsoft.com/office/drawing/2014/main" id="{992FC732-3883-06E9-D946-D71CE726E5C7}"/>
+              </a:ext>
+            </a:extLst>
+          </p:cNvPr>
+          <p:cNvSpPr txBox="1"/>
+          <p:nvPr/>
+        </p:nvSpPr>
+        <p:spPr>
+          <a:xfrm>
+            <a:off x="8552403" y="2726660"/>
+            <a:ext cx="3499676" cy="369332"/>
+          </a:xfrm>
+          <a:prstGeom prst="rect">
+            <a:avLst/>
+          </a:prstGeom>
+          <a:noFill/>
+        </p:spPr>
+        <p:txBody>
+          <a:bodyPr wrap="none" rtlCol="0">
+            <a:spAutoFit/>
+          </a:bodyPr>
+          <a:lstStyle/>
+          <a:p>
+            <a:pPr algn="ctr"/>
+            <a:r>
+              <a:rPr lang="pt-BR" dirty="0"/>
+              <a:t>Lambda: 2.5, PSNR:  44.7 dB, R: 3.03</a:t>
+            </a:r>
+          </a:p>
+        </p:txBody>
+      </p:sp>
+      <p:pic>
+        <p:nvPicPr>
+          <p:cNvPr id="4" name="Picture 3">
+            <a:extLst>
+              <a:ext uri="{FF2B5EF4-FFF2-40B4-BE49-F238E27FC236}">
+                <a16:creationId xmlns:a16="http://schemas.microsoft.com/office/drawing/2014/main" id="{E4EEF9ED-66AF-3F9A-2343-550879D5C81D}"/>
+              </a:ext>
+            </a:extLst>
+          </p:cNvPr>
+          <p:cNvPicPr>
+            <a:picLocks noChangeAspect="1"/>
+          </p:cNvPicPr>
+          <p:nvPr/>
+        </p:nvPicPr>
+        <p:blipFill>
+          <a:blip r:embed="rId2"/>
+          <a:stretch>
+            <a:fillRect/>
+          </a:stretch>
+        </p:blipFill>
+        <p:spPr>
+          <a:xfrm>
+            <a:off x="254803" y="3095990"/>
+            <a:ext cx="3828129" cy="3062503"/>
+          </a:xfrm>
+          <a:prstGeom prst="rect">
+            <a:avLst/>
+          </a:prstGeom>
+        </p:spPr>
+      </p:pic>
+      <p:pic>
+        <p:nvPicPr>
+          <p:cNvPr id="9" name="Picture 8">
+            <a:extLst>
+              <a:ext uri="{FF2B5EF4-FFF2-40B4-BE49-F238E27FC236}">
+                <a16:creationId xmlns:a16="http://schemas.microsoft.com/office/drawing/2014/main" id="{F8EA7BE4-D8F6-BFE9-5572-A36A74782D7E}"/>
+              </a:ext>
+            </a:extLst>
+          </p:cNvPr>
+          <p:cNvPicPr>
+            <a:picLocks noChangeAspect="1"/>
+          </p:cNvPicPr>
+          <p:nvPr/>
+        </p:nvPicPr>
+        <p:blipFill>
+          <a:blip r:embed="rId3"/>
+          <a:stretch>
+            <a:fillRect/>
+          </a:stretch>
+        </p:blipFill>
+        <p:spPr>
+          <a:xfrm>
+            <a:off x="4279662" y="3093341"/>
+            <a:ext cx="3828129" cy="3062503"/>
+          </a:xfrm>
+          <a:prstGeom prst="rect">
+            <a:avLst/>
+          </a:prstGeom>
+        </p:spPr>
+      </p:pic>
+      <p:pic>
+        <p:nvPicPr>
+          <p:cNvPr id="12" name="Picture 11">
+            <a:extLst>
+              <a:ext uri="{FF2B5EF4-FFF2-40B4-BE49-F238E27FC236}">
+                <a16:creationId xmlns:a16="http://schemas.microsoft.com/office/drawing/2014/main" id="{7AFE2E59-A692-230B-9764-61653CD6D631}"/>
+              </a:ext>
+            </a:extLst>
+          </p:cNvPr>
+          <p:cNvPicPr>
+            <a:picLocks noChangeAspect="1"/>
+          </p:cNvPicPr>
+          <p:nvPr/>
+        </p:nvPicPr>
+        <p:blipFill>
+          <a:blip r:embed="rId4"/>
+          <a:stretch>
+            <a:fillRect/>
+          </a:stretch>
+        </p:blipFill>
+        <p:spPr>
+          <a:xfrm>
+            <a:off x="8246809" y="3083449"/>
+            <a:ext cx="3828130" cy="3062504"/>
+          </a:xfrm>
+          <a:prstGeom prst="rect">
+            <a:avLst/>
+          </a:prstGeom>
+        </p:spPr>
+      </p:pic>
+    </p:spTree>
+    <p:extLst>
+      <p:ext uri="{BB962C8B-B14F-4D97-AF65-F5344CB8AC3E}">
+        <p14:creationId xmlns:p14="http://schemas.microsoft.com/office/powerpoint/2010/main" val="2230537632"/>
+      </p:ext>
+    </p:extLst>
+  </p:cSld>
+  <p:clrMapOvr>
+    <a:masterClrMapping/>
+  </p:clrMapOvr>
+</p:sld>
+</file>
+
+<file path=ppt/slides/slide14.xml><?xml version="1.0" encoding="utf-8"?>
+<p:sld xmlns:a="http://schemas.openxmlformats.org/drawingml/2006/main" xmlns:r="http://schemas.openxmlformats.org/officeDocument/2006/relationships" xmlns:p="http://schemas.openxmlformats.org/presentationml/2006/main">
+  <p:cSld>
+    <p:spTree>
+      <p:nvGrpSpPr>
+        <p:cNvPr id="1" name=""/>
+        <p:cNvGrpSpPr/>
+        <p:nvPr/>
+      </p:nvGrpSpPr>
+      <p:grpSpPr>
+        <a:xfrm>
+          <a:off x="0" y="0"/>
+          <a:ext cx="0" cy="0"/>
+          <a:chOff x="0" y="0"/>
+          <a:chExt cx="0" cy="0"/>
+        </a:xfrm>
+      </p:grpSpPr>
+      <p:sp>
+        <p:nvSpPr>
+          <p:cNvPr id="2" name="Title 1">
+            <a:extLst>
+              <a:ext uri="{FF2B5EF4-FFF2-40B4-BE49-F238E27FC236}">
+                <a16:creationId xmlns:a16="http://schemas.microsoft.com/office/drawing/2014/main" id="{2A453766-6E57-0C08-2BFA-324DF402A83D}"/>
+              </a:ext>
+            </a:extLst>
+          </p:cNvPr>
+          <p:cNvSpPr>
+            <a:spLocks noGrp="1"/>
+          </p:cNvSpPr>
+          <p:nvPr>
+            <p:ph type="title"/>
+          </p:nvPr>
+        </p:nvSpPr>
+        <p:spPr/>
+        <p:txBody>
+          <a:bodyPr>
+            <a:normAutofit/>
+          </a:bodyPr>
+          <a:lstStyle/>
+          <a:p>
+            <a:r>
+              <a:rPr lang="pt-BR" sz="3200" cap="none" dirty="0"/>
+              <a:t>Testes, reconstrução:</a:t>
+            </a:r>
+          </a:p>
+        </p:txBody>
+      </p:sp>
+      <p:sp>
+        <p:nvSpPr>
+          <p:cNvPr id="7" name="TextBox 6">
+            <a:extLst>
+              <a:ext uri="{FF2B5EF4-FFF2-40B4-BE49-F238E27FC236}">
+                <a16:creationId xmlns:a16="http://schemas.microsoft.com/office/drawing/2014/main" id="{7C9DF9EB-0BDF-86E3-82E2-1602A93D6911}"/>
+              </a:ext>
+            </a:extLst>
+          </p:cNvPr>
+          <p:cNvSpPr txBox="1"/>
+          <p:nvPr/>
+        </p:nvSpPr>
+        <p:spPr>
+          <a:xfrm>
+            <a:off x="248926" y="2726660"/>
+            <a:ext cx="3627917" cy="369332"/>
+          </a:xfrm>
+          <a:prstGeom prst="rect">
+            <a:avLst/>
+          </a:prstGeom>
+          <a:noFill/>
+        </p:spPr>
+        <p:txBody>
+          <a:bodyPr wrap="none" rtlCol="0">
+            <a:spAutoFit/>
+          </a:bodyPr>
+          <a:lstStyle/>
+          <a:p>
+            <a:pPr algn="ctr"/>
+            <a:r>
+              <a:rPr lang="pt-BR" dirty="0"/>
               <a:t>Lambda: 100, PSNR:  29.1 dB, R:  0.58</a:t>
             </a:r>
           </a:p>
@@ -5347,7 +5463,7 @@
 </p:sld>
 </file>
 
-<file path=ppt/slides/slide14.xml><?xml version="1.0" encoding="utf-8"?>
+<file path=ppt/slides/slide15.xml><?xml version="1.0" encoding="utf-8"?>
 <p:sld xmlns:a="http://schemas.openxmlformats.org/drawingml/2006/main" xmlns:r="http://schemas.openxmlformats.org/officeDocument/2006/relationships" xmlns:p="http://schemas.openxmlformats.org/presentationml/2006/main">
   <p:cSld>
     <p:spTree>
@@ -5647,6 +5763,120 @@
           <a:p>
             <a:r>
               <a:rPr lang="pt-BR" sz="3200" cap="none" dirty="0"/>
+              <a:t>Visão Geral</a:t>
+            </a:r>
+          </a:p>
+        </p:txBody>
+      </p:sp>
+      <p:sp>
+        <p:nvSpPr>
+          <p:cNvPr id="4" name="Content Placeholder 2">
+            <a:extLst>
+              <a:ext uri="{FF2B5EF4-FFF2-40B4-BE49-F238E27FC236}">
+                <a16:creationId xmlns:a16="http://schemas.microsoft.com/office/drawing/2014/main" id="{5BD94CC7-A588-E8D0-1142-A444CC770BFB}"/>
+              </a:ext>
+            </a:extLst>
+          </p:cNvPr>
+          <p:cNvSpPr>
+            <a:spLocks noGrp="1"/>
+          </p:cNvSpPr>
+          <p:nvPr>
+            <p:ph idx="1"/>
+          </p:nvPr>
+        </p:nvSpPr>
+        <p:spPr>
+          <a:xfrm>
+            <a:off x="581192" y="2180496"/>
+            <a:ext cx="10869780" cy="4295805"/>
+          </a:xfrm>
+        </p:spPr>
+        <p:txBody>
+          <a:bodyPr>
+            <a:normAutofit/>
+          </a:bodyPr>
+          <a:lstStyle/>
+          <a:p>
+            <a:r>
+              <a:rPr lang="pt-BR" sz="3200" dirty="0"/>
+              <a:t>Treinamento</a:t>
+            </a:r>
+          </a:p>
+          <a:p>
+            <a:r>
+              <a:rPr lang="pt-BR" sz="3200" dirty="0"/>
+              <a:t>Avaliação</a:t>
+            </a:r>
+          </a:p>
+          <a:p>
+            <a:r>
+              <a:rPr lang="pt-BR" sz="3200" dirty="0"/>
+              <a:t>Codificação</a:t>
+            </a:r>
+          </a:p>
+          <a:p>
+            <a:r>
+              <a:rPr lang="pt-BR" sz="3200" dirty="0"/>
+              <a:t>Decodificação</a:t>
+            </a:r>
+            <a:endParaRPr lang="pt-BR" sz="2800" dirty="0"/>
+          </a:p>
+        </p:txBody>
+      </p:sp>
+    </p:spTree>
+    <p:extLst>
+      <p:ext uri="{BB962C8B-B14F-4D97-AF65-F5344CB8AC3E}">
+        <p14:creationId xmlns:p14="http://schemas.microsoft.com/office/powerpoint/2010/main" val="1888187822"/>
+      </p:ext>
+    </p:extLst>
+  </p:cSld>
+  <p:clrMapOvr>
+    <a:masterClrMapping/>
+  </p:clrMapOvr>
+</p:sld>
+</file>
+
+<file path=ppt/slides/slide3.xml><?xml version="1.0" encoding="utf-8"?>
+<p:sld xmlns:a="http://schemas.openxmlformats.org/drawingml/2006/main" xmlns:r="http://schemas.openxmlformats.org/officeDocument/2006/relationships" xmlns:p="http://schemas.openxmlformats.org/presentationml/2006/main">
+  <p:cSld>
+    <p:spTree>
+      <p:nvGrpSpPr>
+        <p:cNvPr id="1" name=""/>
+        <p:cNvGrpSpPr/>
+        <p:nvPr/>
+      </p:nvGrpSpPr>
+      <p:grpSpPr>
+        <a:xfrm>
+          <a:off x="0" y="0"/>
+          <a:ext cx="0" cy="0"/>
+          <a:chOff x="0" y="0"/>
+          <a:chExt cx="0" cy="0"/>
+        </a:xfrm>
+      </p:grpSpPr>
+      <p:sp>
+        <p:nvSpPr>
+          <p:cNvPr id="2" name="Title 1">
+            <a:extLst>
+              <a:ext uri="{FF2B5EF4-FFF2-40B4-BE49-F238E27FC236}">
+                <a16:creationId xmlns:a16="http://schemas.microsoft.com/office/drawing/2014/main" id="{2A453766-6E57-0C08-2BFA-324DF402A83D}"/>
+              </a:ext>
+            </a:extLst>
+          </p:cNvPr>
+          <p:cNvSpPr>
+            <a:spLocks noGrp="1"/>
+          </p:cNvSpPr>
+          <p:nvPr>
+            <p:ph type="title"/>
+          </p:nvPr>
+        </p:nvSpPr>
+        <p:spPr/>
+        <p:txBody>
+          <a:bodyPr>
+            <a:normAutofit/>
+          </a:bodyPr>
+          <a:lstStyle/>
+          <a:p>
+            <a:r>
+              <a:rPr lang="pt-BR" sz="3200" cap="none" dirty="0"/>
               <a:t>Treinamento</a:t>
             </a:r>
           </a:p>
@@ -6893,7 +7123,7 @@
 </p:sld>
 </file>
 
-<file path=ppt/slides/slide3.xml><?xml version="1.0" encoding="utf-8"?>
+<file path=ppt/slides/slide4.xml><?xml version="1.0" encoding="utf-8"?>
 <p:sld xmlns:a="http://schemas.openxmlformats.org/drawingml/2006/main" xmlns:r="http://schemas.openxmlformats.org/officeDocument/2006/relationships" xmlns:p="http://schemas.openxmlformats.org/presentationml/2006/main">
   <p:cSld>
     <p:spTree>
@@ -7639,7 +7869,7 @@
 </p:sld>
 </file>
 
-<file path=ppt/slides/slide4.xml><?xml version="1.0" encoding="utf-8"?>
+<file path=ppt/slides/slide5.xml><?xml version="1.0" encoding="utf-8"?>
 <p:sld xmlns:a="http://schemas.openxmlformats.org/drawingml/2006/main" xmlns:r="http://schemas.openxmlformats.org/officeDocument/2006/relationships" xmlns:p="http://schemas.openxmlformats.org/presentationml/2006/main">
   <p:cSld>
     <p:spTree>
@@ -8873,171 +9103,6 @@
     <p:extLst>
       <p:ext uri="{BB962C8B-B14F-4D97-AF65-F5344CB8AC3E}">
         <p14:creationId xmlns:p14="http://schemas.microsoft.com/office/powerpoint/2010/main" val="824136416"/>
-      </p:ext>
-    </p:extLst>
-  </p:cSld>
-  <p:clrMapOvr>
-    <a:masterClrMapping/>
-  </p:clrMapOvr>
-</p:sld>
-</file>
-
-<file path=ppt/slides/slide5.xml><?xml version="1.0" encoding="utf-8"?>
-<p:sld xmlns:a="http://schemas.openxmlformats.org/drawingml/2006/main" xmlns:r="http://schemas.openxmlformats.org/officeDocument/2006/relationships" xmlns:p="http://schemas.openxmlformats.org/presentationml/2006/main">
-  <p:cSld>
-    <p:spTree>
-      <p:nvGrpSpPr>
-        <p:cNvPr id="1" name=""/>
-        <p:cNvGrpSpPr/>
-        <p:nvPr/>
-      </p:nvGrpSpPr>
-      <p:grpSpPr>
-        <a:xfrm>
-          <a:off x="0" y="0"/>
-          <a:ext cx="0" cy="0"/>
-          <a:chOff x="0" y="0"/>
-          <a:chExt cx="0" cy="0"/>
-        </a:xfrm>
-      </p:grpSpPr>
-      <p:sp>
-        <p:nvSpPr>
-          <p:cNvPr id="2" name="Title 1">
-            <a:extLst>
-              <a:ext uri="{FF2B5EF4-FFF2-40B4-BE49-F238E27FC236}">
-                <a16:creationId xmlns:a16="http://schemas.microsoft.com/office/drawing/2014/main" id="{2A453766-6E57-0C08-2BFA-324DF402A83D}"/>
-              </a:ext>
-            </a:extLst>
-          </p:cNvPr>
-          <p:cNvSpPr>
-            <a:spLocks noGrp="1"/>
-          </p:cNvSpPr>
-          <p:nvPr>
-            <p:ph type="title"/>
-          </p:nvPr>
-        </p:nvSpPr>
-        <p:spPr/>
-        <p:txBody>
-          <a:bodyPr>
-            <a:normAutofit/>
-          </a:bodyPr>
-          <a:lstStyle/>
-          <a:p>
-            <a:r>
-              <a:rPr lang="pt-BR" sz="3200" cap="none" dirty="0"/>
-              <a:t>Codificação, decisão do </a:t>
-            </a:r>
-            <a:r>
-              <a:rPr lang="pt-BR" sz="3200" cap="none" dirty="0" err="1"/>
-              <a:t>codebook</a:t>
-            </a:r>
-            <a:endParaRPr lang="pt-BR" sz="3200" cap="none" dirty="0"/>
-          </a:p>
-        </p:txBody>
-      </p:sp>
-      <p:sp>
-        <p:nvSpPr>
-          <p:cNvPr id="4" name="Content Placeholder 2">
-            <a:extLst>
-              <a:ext uri="{FF2B5EF4-FFF2-40B4-BE49-F238E27FC236}">
-                <a16:creationId xmlns:a16="http://schemas.microsoft.com/office/drawing/2014/main" id="{5BD94CC7-A588-E8D0-1142-A444CC770BFB}"/>
-              </a:ext>
-            </a:extLst>
-          </p:cNvPr>
-          <p:cNvSpPr>
-            <a:spLocks noGrp="1"/>
-          </p:cNvSpPr>
-          <p:nvPr>
-            <p:ph idx="1"/>
-          </p:nvPr>
-        </p:nvSpPr>
-        <p:spPr>
-          <a:xfrm>
-            <a:off x="581192" y="2180496"/>
-            <a:ext cx="10869780" cy="4295805"/>
-          </a:xfrm>
-        </p:spPr>
-        <p:txBody>
-          <a:bodyPr>
-            <a:normAutofit/>
-          </a:bodyPr>
-          <a:lstStyle/>
-          <a:p>
-            <a:r>
-              <a:rPr lang="pt-BR" sz="3200" dirty="0"/>
-              <a:t>Para cada </a:t>
-            </a:r>
-            <a:r>
-              <a:rPr lang="pt-BR" sz="3200" dirty="0" err="1"/>
-              <a:t>sub-banda</a:t>
-            </a:r>
-            <a:r>
-              <a:rPr lang="pt-BR" sz="3200" dirty="0"/>
-              <a:t>:</a:t>
-            </a:r>
-          </a:p>
-          <a:p>
-            <a:pPr lvl="1"/>
-            <a:r>
-              <a:rPr lang="pt-BR" sz="2800" dirty="0"/>
-              <a:t>Obter o fecho convexo dos desempenhos  obtidos na etapa de avaliação (treino)</a:t>
-            </a:r>
-          </a:p>
-          <a:p>
-            <a:pPr lvl="2"/>
-            <a:r>
-              <a:rPr lang="pt-BR" sz="2400" dirty="0"/>
-              <a:t>Para cada ponto do fecho, calcular o custo </a:t>
-            </a:r>
-            <a:r>
-              <a:rPr lang="pt-BR" sz="2400" dirty="0" err="1"/>
-              <a:t>Lagrangiano</a:t>
-            </a:r>
-            <a:r>
-              <a:rPr lang="pt-BR" sz="2400" dirty="0"/>
-              <a:t> para a imagem de teste:</a:t>
-            </a:r>
-          </a:p>
-          <a:p>
-            <a:pPr lvl="3"/>
-            <a:r>
-              <a:rPr lang="pt-BR" sz="2400" dirty="0"/>
-              <a:t>J = MSE + </a:t>
-            </a:r>
-            <a:r>
-              <a:rPr lang="pt-BR" sz="2400" dirty="0">
-                <a:sym typeface="Symbol" panose="05050102010706020507" pitchFamily="18" charset="2"/>
-              </a:rPr>
-              <a:t>R</a:t>
-            </a:r>
-          </a:p>
-          <a:p>
-            <a:pPr lvl="1"/>
-            <a:r>
-              <a:rPr lang="pt-BR" sz="2800" dirty="0" err="1">
-                <a:sym typeface="Symbol" panose="05050102010706020507" pitchFamily="18" charset="2"/>
-              </a:rPr>
-              <a:t>Codebook</a:t>
-            </a:r>
-            <a:r>
-              <a:rPr lang="pt-BR" sz="2800" dirty="0">
-                <a:sym typeface="Symbol" panose="05050102010706020507" pitchFamily="18" charset="2"/>
-              </a:rPr>
-              <a:t> com menor J é utilizado para a </a:t>
-            </a:r>
-            <a:r>
-              <a:rPr lang="pt-BR" sz="2800" dirty="0" err="1">
-                <a:sym typeface="Symbol" panose="05050102010706020507" pitchFamily="18" charset="2"/>
-              </a:rPr>
-              <a:t>sub-banda</a:t>
-            </a:r>
-            <a:endParaRPr lang="pt-BR" sz="2800" dirty="0"/>
-          </a:p>
-        </p:txBody>
-      </p:sp>
-    </p:spTree>
-    <p:extLst>
-      <p:ext uri="{BB962C8B-B14F-4D97-AF65-F5344CB8AC3E}">
-        <p14:creationId xmlns:p14="http://schemas.microsoft.com/office/powerpoint/2010/main" val="2428196614"/>
       </p:ext>
     </p:extLst>
   </p:cSld>
@@ -9089,8 +9154,13 @@
           <a:p>
             <a:r>
               <a:rPr lang="pt-BR" sz="3200" cap="none" dirty="0"/>
-              <a:t>Codificação, codificador aritmético</a:t>
-            </a:r>
+              <a:t>Codificação, decisão do </a:t>
+            </a:r>
+            <a:r>
+              <a:rPr lang="pt-BR" sz="3200" cap="none" dirty="0" err="1"/>
+              <a:t>codebook</a:t>
+            </a:r>
+            <a:endParaRPr lang="pt-BR" sz="3200" cap="none" dirty="0"/>
           </a:p>
         </p:txBody>
       </p:sp>
@@ -9124,42 +9194,71 @@
           <a:p>
             <a:r>
               <a:rPr lang="pt-BR" sz="3200" dirty="0"/>
-              <a:t>Cabeçalho contendo a média da imagem e o </a:t>
-            </a:r>
-            <a:r>
-              <a:rPr lang="pt-BR" sz="3200" dirty="0" err="1"/>
-              <a:t>codebook</a:t>
-            </a:r>
-            <a:r>
-              <a:rPr lang="pt-BR" sz="3200" dirty="0"/>
-              <a:t> utilizado para cada </a:t>
+              <a:t>Para cada </a:t>
             </a:r>
             <a:r>
               <a:rPr lang="pt-BR" sz="3200" dirty="0" err="1"/>
               <a:t>sub-banda</a:t>
             </a:r>
-            <a:endParaRPr lang="pt-BR" sz="3200" dirty="0"/>
-          </a:p>
-          <a:p>
             <a:r>
               <a:rPr lang="pt-BR" sz="3200" dirty="0"/>
-              <a:t>Para cada </a:t>
-            </a:r>
-            <a:r>
-              <a:rPr lang="pt-BR" sz="3200" dirty="0" err="1"/>
+              <a:t>:</a:t>
+            </a:r>
+          </a:p>
+          <a:p>
+            <a:pPr lvl="1"/>
+            <a:r>
+              <a:rPr lang="pt-BR" sz="2800" dirty="0"/>
+              <a:t>Obter o fecho convexo dos desempenhos  obtidos na etapa de avaliação (treino)</a:t>
+            </a:r>
+          </a:p>
+          <a:p>
+            <a:pPr lvl="2"/>
+            <a:r>
+              <a:rPr lang="pt-BR" sz="2400" dirty="0"/>
+              <a:t>Para cada ponto do fecho, calcular o custo </a:t>
+            </a:r>
+            <a:r>
+              <a:rPr lang="pt-BR" sz="2400" dirty="0" err="1"/>
+              <a:t>Lagrangiano</a:t>
+            </a:r>
+            <a:r>
+              <a:rPr lang="pt-BR" sz="2400" dirty="0"/>
+              <a:t> para a imagem de teste:</a:t>
+            </a:r>
+          </a:p>
+          <a:p>
+            <a:pPr lvl="3"/>
+            <a:r>
+              <a:rPr lang="pt-BR" sz="2400" dirty="0"/>
+              <a:t>J = MSE + </a:t>
+            </a:r>
+            <a:r>
+              <a:rPr lang="pt-BR" sz="2400" dirty="0">
+                <a:sym typeface="Symbol" panose="05050102010706020507" pitchFamily="18" charset="2"/>
+              </a:rPr>
+              <a:t>R</a:t>
+            </a:r>
+          </a:p>
+          <a:p>
+            <a:pPr lvl="1"/>
+            <a:r>
+              <a:rPr lang="pt-BR" sz="2800" dirty="0" err="1">
+                <a:sym typeface="Symbol" panose="05050102010706020507" pitchFamily="18" charset="2"/>
+              </a:rPr>
+              <a:t>Codebook</a:t>
+            </a:r>
+            <a:r>
+              <a:rPr lang="pt-BR" sz="2800" dirty="0">
+                <a:sym typeface="Symbol" panose="05050102010706020507" pitchFamily="18" charset="2"/>
+              </a:rPr>
+              <a:t> com menor J é utilizado para a </a:t>
+            </a:r>
+            <a:r>
+              <a:rPr lang="pt-BR" sz="2800" dirty="0" err="1">
+                <a:sym typeface="Symbol" panose="05050102010706020507" pitchFamily="18" charset="2"/>
+              </a:rPr>
               <a:t>sub-banda</a:t>
-            </a:r>
-            <a:r>
-              <a:rPr lang="pt-BR" sz="3200" dirty="0"/>
-              <a:t> um histograma adaptativo de tamanho diferente (depende do tamanho do </a:t>
-            </a:r>
-            <a:r>
-              <a:rPr lang="pt-BR" sz="3200" dirty="0" err="1"/>
-              <a:t>codebook</a:t>
-            </a:r>
-            <a:r>
-              <a:rPr lang="pt-BR" sz="3200" dirty="0"/>
-              <a:t>)</a:t>
             </a:r>
             <a:endParaRPr lang="pt-BR" sz="2800" dirty="0"/>
           </a:p>
@@ -9168,7 +9267,7 @@
     </p:spTree>
     <p:extLst>
       <p:ext uri="{BB962C8B-B14F-4D97-AF65-F5344CB8AC3E}">
-        <p14:creationId xmlns:p14="http://schemas.microsoft.com/office/powerpoint/2010/main" val="3648324898"/>
+        <p14:creationId xmlns:p14="http://schemas.microsoft.com/office/powerpoint/2010/main" val="2428196614"/>
       </p:ext>
     </p:extLst>
   </p:cSld>
@@ -9220,7 +9319,7 @@
           <a:p>
             <a:r>
               <a:rPr lang="pt-BR" sz="3200" cap="none" dirty="0"/>
-              <a:t>Decodificação</a:t>
+              <a:t>Codificação, codificador aritmético</a:t>
             </a:r>
           </a:p>
         </p:txBody>
@@ -9255,19 +9354,42 @@
           <a:p>
             <a:r>
               <a:rPr lang="pt-BR" sz="3200" dirty="0"/>
-              <a:t>Leitura do cabeçalho</a:t>
-            </a:r>
-          </a:p>
-          <a:p>
+              <a:t>Cabeçalho contendo a média da imagem e o </a:t>
+            </a:r>
+            <a:r>
+              <a:rPr lang="pt-BR" sz="3200" dirty="0" err="1"/>
+              <a:t>codebook</a:t>
+            </a:r>
             <a:r>
               <a:rPr lang="pt-BR" sz="3200" dirty="0"/>
-              <a:t>Síntese</a:t>
-            </a:r>
+              <a:t> utilizado para cada </a:t>
+            </a:r>
+            <a:r>
+              <a:rPr lang="pt-BR" sz="3200" dirty="0" err="1"/>
+              <a:t>sub-banda</a:t>
+            </a:r>
+            <a:endParaRPr lang="pt-BR" sz="3200" dirty="0"/>
           </a:p>
           <a:p>
             <a:r>
               <a:rPr lang="pt-BR" sz="3200" dirty="0"/>
-              <a:t>Soma da média</a:t>
+              <a:t>Para cada </a:t>
+            </a:r>
+            <a:r>
+              <a:rPr lang="pt-BR" sz="3200" dirty="0" err="1"/>
+              <a:t>sub-banda</a:t>
+            </a:r>
+            <a:r>
+              <a:rPr lang="pt-BR" sz="3200" dirty="0"/>
+              <a:t> um histograma adaptativo de tamanho diferente (depende do tamanho do </a:t>
+            </a:r>
+            <a:r>
+              <a:rPr lang="pt-BR" sz="3200" dirty="0" err="1"/>
+              <a:t>codebook</a:t>
+            </a:r>
+            <a:r>
+              <a:rPr lang="pt-BR" sz="3200" dirty="0"/>
+              <a:t>)</a:t>
             </a:r>
             <a:endParaRPr lang="pt-BR" sz="2800" dirty="0"/>
           </a:p>
@@ -9276,7 +9398,7 @@
     </p:spTree>
     <p:extLst>
       <p:ext uri="{BB962C8B-B14F-4D97-AF65-F5344CB8AC3E}">
-        <p14:creationId xmlns:p14="http://schemas.microsoft.com/office/powerpoint/2010/main" val="4174374475"/>
+        <p14:creationId xmlns:p14="http://schemas.microsoft.com/office/powerpoint/2010/main" val="3648324898"/>
       </p:ext>
     </p:extLst>
   </p:cSld>
@@ -9328,17 +9450,17 @@
           <a:p>
             <a:r>
               <a:rPr lang="pt-BR" sz="3200" cap="none" dirty="0"/>
-              <a:t>Resultados, média</a:t>
-            </a:r>
-          </a:p>
-        </p:txBody>
-      </p:sp>
-      <p:sp>
-        <p:nvSpPr>
-          <p:cNvPr id="5" name="Content Placeholder 4">
-            <a:extLst>
-              <a:ext uri="{FF2B5EF4-FFF2-40B4-BE49-F238E27FC236}">
-                <a16:creationId xmlns:a16="http://schemas.microsoft.com/office/drawing/2014/main" id="{539F4EBC-24A3-AA1E-3ADD-E82AD35EFEB2}"/>
+              <a:t>Decodificação</a:t>
+            </a:r>
+          </a:p>
+        </p:txBody>
+      </p:sp>
+      <p:sp>
+        <p:nvSpPr>
+          <p:cNvPr id="4" name="Content Placeholder 2">
+            <a:extLst>
+              <a:ext uri="{FF2B5EF4-FFF2-40B4-BE49-F238E27FC236}">
+                <a16:creationId xmlns:a16="http://schemas.microsoft.com/office/drawing/2014/main" id="{5BD94CC7-A588-E8D0-1142-A444CC770BFB}"/>
               </a:ext>
             </a:extLst>
           </p:cNvPr>
@@ -9349,49 +9471,42 @@
             <p:ph idx="1"/>
           </p:nvPr>
         </p:nvSpPr>
-        <p:spPr/>
-        <p:txBody>
-          <a:bodyPr/>
-          <a:lstStyle/>
-          <a:p>
-            <a:endParaRPr lang="pt-BR"/>
-          </a:p>
-        </p:txBody>
-      </p:sp>
-      <p:pic>
-        <p:nvPicPr>
-          <p:cNvPr id="7" name="Picture 6">
-            <a:extLst>
-              <a:ext uri="{FF2B5EF4-FFF2-40B4-BE49-F238E27FC236}">
-                <a16:creationId xmlns:a16="http://schemas.microsoft.com/office/drawing/2014/main" id="{2B078552-CF8D-D9B2-E577-368045C19AA0}"/>
-              </a:ext>
-            </a:extLst>
-          </p:cNvPr>
-          <p:cNvPicPr>
-            <a:picLocks noChangeAspect="1"/>
-          </p:cNvPicPr>
-          <p:nvPr/>
-        </p:nvPicPr>
-        <p:blipFill>
-          <a:blip r:embed="rId2"/>
-          <a:stretch>
-            <a:fillRect/>
-          </a:stretch>
-        </p:blipFill>
-        <p:spPr>
-          <a:xfrm>
-            <a:off x="297180" y="2042160"/>
-            <a:ext cx="11650980" cy="4716780"/>
-          </a:xfrm>
-          <a:prstGeom prst="rect">
-            <a:avLst/>
-          </a:prstGeom>
-        </p:spPr>
-      </p:pic>
+        <p:spPr>
+          <a:xfrm>
+            <a:off x="581192" y="2180496"/>
+            <a:ext cx="10869780" cy="4295805"/>
+          </a:xfrm>
+        </p:spPr>
+        <p:txBody>
+          <a:bodyPr>
+            <a:normAutofit/>
+          </a:bodyPr>
+          <a:lstStyle/>
+          <a:p>
+            <a:r>
+              <a:rPr lang="pt-BR" sz="3200" dirty="0"/>
+              <a:t>Leitura do cabeçalho</a:t>
+            </a:r>
+          </a:p>
+          <a:p>
+            <a:r>
+              <a:rPr lang="pt-BR" sz="3200" dirty="0"/>
+              <a:t>Síntese</a:t>
+            </a:r>
+          </a:p>
+          <a:p>
+            <a:r>
+              <a:rPr lang="pt-BR" sz="3200" dirty="0"/>
+              <a:t>Soma da média</a:t>
+            </a:r>
+            <a:endParaRPr lang="pt-BR" sz="2800" dirty="0"/>
+          </a:p>
+        </p:txBody>
+      </p:sp>
     </p:spTree>
     <p:extLst>
       <p:ext uri="{BB962C8B-B14F-4D97-AF65-F5344CB8AC3E}">
-        <p14:creationId xmlns:p14="http://schemas.microsoft.com/office/powerpoint/2010/main" val="324133265"/>
+        <p14:creationId xmlns:p14="http://schemas.microsoft.com/office/powerpoint/2010/main" val="4174374475"/>
       </p:ext>
     </p:extLst>
   </p:cSld>
@@ -9443,7 +9558,7 @@
           <a:p>
             <a:r>
               <a:rPr lang="pt-BR" sz="3200" cap="none" dirty="0"/>
-              <a:t>Resultados, conjunto de testes</a:t>
+              <a:t>Resultados, média</a:t>
             </a:r>
           </a:p>
         </p:txBody>
@@ -9475,10 +9590,10 @@
       </p:sp>
       <p:pic>
         <p:nvPicPr>
-          <p:cNvPr id="11" name="Picture 10">
-            <a:extLst>
-              <a:ext uri="{FF2B5EF4-FFF2-40B4-BE49-F238E27FC236}">
-                <a16:creationId xmlns:a16="http://schemas.microsoft.com/office/drawing/2014/main" id="{96683939-EF04-AD4D-9D20-D4C0F3AC5E9C}"/>
+          <p:cNvPr id="7" name="Picture 6">
+            <a:extLst>
+              <a:ext uri="{FF2B5EF4-FFF2-40B4-BE49-F238E27FC236}">
+                <a16:creationId xmlns:a16="http://schemas.microsoft.com/office/drawing/2014/main" id="{2B078552-CF8D-D9B2-E577-368045C19AA0}"/>
               </a:ext>
             </a:extLst>
           </p:cNvPr>
@@ -9495,8 +9610,8 @@
         </p:blipFill>
         <p:spPr>
           <a:xfrm>
-            <a:off x="160020" y="1913637"/>
-            <a:ext cx="11932920" cy="4944363"/>
+            <a:off x="297180" y="2042160"/>
+            <a:ext cx="11650980" cy="4716780"/>
           </a:xfrm>
           <a:prstGeom prst="rect">
             <a:avLst/>
@@ -9506,7 +9621,7 @@
     </p:spTree>
     <p:extLst>
       <p:ext uri="{BB962C8B-B14F-4D97-AF65-F5344CB8AC3E}">
-        <p14:creationId xmlns:p14="http://schemas.microsoft.com/office/powerpoint/2010/main" val="712784737"/>
+        <p14:creationId xmlns:p14="http://schemas.microsoft.com/office/powerpoint/2010/main" val="324133265"/>
       </p:ext>
     </p:extLst>
   </p:cSld>
